--- a/fig/design.pptx
+++ b/fig/design.pptx
@@ -109,6 +109,22 @@
       </a:defRPr>
     </a:lvl9pPr>
   </p:defaultTextStyle>
+  <p:extLst>
+    <p:ext uri="{EFAFB233-063F-42B5-8137-9DF3F51BA10A}">
+      <p15:sldGuideLst xmlns:p15="http://schemas.microsoft.com/office/powerpoint/2012/main">
+        <p15:guide id="1" orient="horz" pos="2166" userDrawn="1">
+          <p15:clr>
+            <a:srgbClr val="A4A3A4"/>
+          </p15:clr>
+        </p15:guide>
+        <p15:guide id="2" pos="3808" userDrawn="1">
+          <p15:clr>
+            <a:srgbClr val="A4A3A4"/>
+          </p15:clr>
+        </p15:guide>
+      </p15:sldGuideLst>
+    </p:ext>
+  </p:extLst>
 </p:presentation>
 </file>
 
@@ -3233,7 +3249,7 @@
         </p:nvSpPr>
         <p:spPr>
           <a:xfrm>
-            <a:off x="6045098" y="1732470"/>
+            <a:off x="6045098" y="1766760"/>
             <a:ext cx="1533236" cy="711200"/>
           </a:xfrm>
           <a:prstGeom prst="roundRect">
@@ -3275,15 +3291,7 @@
                   <a:schemeClr val="tx1"/>
                 </a:solidFill>
               </a:rPr>
-              <a:t>不同参数的</a:t>
-            </a:r>
-            <a:r>
-              <a:rPr lang="en-US" smtClean="0">
-                <a:solidFill>
-                  <a:schemeClr val="tx1"/>
-                </a:solidFill>
-              </a:rPr>
-              <a:t>Python </a:t>
+              <a:t>交通</a:t>
             </a:r>
             <a:r>
               <a:rPr lang="zh-CN" altLang="en-US" smtClean="0">
@@ -3291,7 +3299,7 @@
                   <a:schemeClr val="tx1"/>
                 </a:solidFill>
               </a:rPr>
-              <a:t>脚本</a:t>
+              <a:t>信号灯配时</a:t>
             </a:r>
             <a:endParaRPr lang="zh-CN" altLang="en-US" smtClean="0">
               <a:solidFill>
@@ -3429,14 +3437,6 @@
               </a:rPr>
               <a:t>虚幻引擎</a:t>
             </a:r>
-            <a:endParaRPr lang="en-US" altLang="zh-CN" smtClean="0">
-              <a:solidFill>
-                <a:schemeClr val="tx1"/>
-              </a:solidFill>
-            </a:endParaRPr>
-          </a:p>
-          <a:p>
-            <a:pPr algn="ctr"/>
             <a:r>
               <a:rPr lang="zh-CN" altLang="en-US" smtClean="0">
                 <a:solidFill>
@@ -3479,7 +3479,7 @@
         </p:nvCxnSpPr>
         <p:spPr>
           <a:xfrm>
-            <a:off x="7578725" y="2087880"/>
+            <a:off x="7578725" y="2122170"/>
             <a:ext cx="979805" cy="742315"/>
           </a:xfrm>
           <a:prstGeom prst="straightConnector1">
@@ -3786,14 +3786,6 @@
           <a:p>
             <a:pPr algn="ctr"/>
             <a:r>
-              <a:rPr lang="en-US" altLang="zh-CN" smtClean="0">
-                <a:solidFill>
-                  <a:schemeClr val="tx1"/>
-                </a:solidFill>
-              </a:rPr>
-              <a:t>Wizard Coder </a:t>
-            </a:r>
-            <a:r>
               <a:rPr lang="zh-CN" altLang="en-US" smtClean="0">
                 <a:solidFill>
                   <a:schemeClr val="tx1"/>
@@ -3935,8 +3927,8 @@
         </p:nvCxnSpPr>
         <p:spPr>
           <a:xfrm flipV="1">
-            <a:off x="4830445" y="2087880"/>
-            <a:ext cx="1214755" cy="1097280"/>
+            <a:off x="4830445" y="2122170"/>
+            <a:ext cx="1214755" cy="1062990"/>
           </a:xfrm>
           <a:prstGeom prst="straightConnector1">
             <a:avLst/>
@@ -4324,6 +4316,270 @@
               <a:t>语音合成</a:t>
             </a:r>
             <a:endParaRPr lang="zh-CN" altLang="en-US">
+              <a:latin typeface="Times New Roman" panose="02020603050405020304" pitchFamily="18" charset="0"/>
+              <a:cs typeface="Times New Roman" panose="02020603050405020304" pitchFamily="18" charset="0"/>
+            </a:endParaRPr>
+          </a:p>
+        </p:txBody>
+      </p:sp>
+      <p:sp>
+        <p:nvSpPr>
+          <p:cNvPr id="3" name="圆角矩形 2"/>
+          <p:cNvSpPr/>
+          <p:nvPr/>
+        </p:nvSpPr>
+        <p:spPr>
+          <a:xfrm>
+            <a:off x="6045098" y="3873055"/>
+            <a:ext cx="1533236" cy="711200"/>
+          </a:xfrm>
+          <a:prstGeom prst="roundRect">
+            <a:avLst/>
+          </a:prstGeom>
+          <a:solidFill>
+            <a:schemeClr val="bg1"/>
+          </a:solidFill>
+          <a:ln w="25400">
+            <a:solidFill>
+              <a:schemeClr val="tx1"/>
+            </a:solidFill>
+          </a:ln>
+        </p:spPr>
+        <p:style>
+          <a:lnRef idx="2">
+            <a:schemeClr val="accent1">
+              <a:shade val="50000"/>
+            </a:schemeClr>
+          </a:lnRef>
+          <a:fillRef idx="1">
+            <a:schemeClr val="accent1"/>
+          </a:fillRef>
+          <a:effectRef idx="0">
+            <a:schemeClr val="accent1"/>
+          </a:effectRef>
+          <a:fontRef idx="minor">
+            <a:schemeClr val="lt1"/>
+          </a:fontRef>
+        </p:style>
+        <p:txBody>
+          <a:bodyPr rtlCol="0" anchor="ctr"/>
+          <a:p>
+            <a:pPr algn="ctr"/>
+            <a:r>
+              <a:rPr lang="zh-CN" altLang="en-US" smtClean="0">
+                <a:solidFill>
+                  <a:schemeClr val="tx1"/>
+                </a:solidFill>
+              </a:rPr>
+              <a:t>不同参数的</a:t>
+            </a:r>
+            <a:r>
+              <a:rPr lang="en-US" smtClean="0">
+                <a:solidFill>
+                  <a:schemeClr val="tx1"/>
+                </a:solidFill>
+              </a:rPr>
+              <a:t>Python </a:t>
+            </a:r>
+            <a:r>
+              <a:rPr lang="zh-CN" altLang="en-US" smtClean="0">
+                <a:solidFill>
+                  <a:schemeClr val="tx1"/>
+                </a:solidFill>
+              </a:rPr>
+              <a:t>脚本</a:t>
+            </a:r>
+            <a:endParaRPr lang="zh-CN" altLang="en-US" smtClean="0">
+              <a:solidFill>
+                <a:schemeClr val="tx1"/>
+              </a:solidFill>
+            </a:endParaRPr>
+          </a:p>
+        </p:txBody>
+      </p:sp>
+      <p:cxnSp>
+        <p:nvCxnSpPr>
+          <p:cNvPr id="5" name="直接箭头连接符 4"/>
+          <p:cNvCxnSpPr>
+            <a:endCxn id="3" idx="1"/>
+          </p:cNvCxnSpPr>
+          <p:nvPr/>
+        </p:nvCxnSpPr>
+        <p:spPr>
+          <a:xfrm>
+            <a:off x="4845050" y="3182620"/>
+            <a:ext cx="1200150" cy="1045845"/>
+          </a:xfrm>
+          <a:prstGeom prst="straightConnector1">
+            <a:avLst/>
+          </a:prstGeom>
+          <a:ln w="19050">
+            <a:solidFill>
+              <a:schemeClr val="tx1"/>
+            </a:solidFill>
+            <a:headEnd type="none"/>
+            <a:tailEnd type="triangle"/>
+          </a:ln>
+        </p:spPr>
+        <p:style>
+          <a:lnRef idx="1">
+            <a:schemeClr val="accent1"/>
+          </a:lnRef>
+          <a:fillRef idx="0">
+            <a:schemeClr val="accent1"/>
+          </a:fillRef>
+          <a:effectRef idx="0">
+            <a:schemeClr val="accent1"/>
+          </a:effectRef>
+          <a:fontRef idx="minor">
+            <a:schemeClr val="tx1"/>
+          </a:fontRef>
+        </p:style>
+      </p:cxnSp>
+      <p:cxnSp>
+        <p:nvCxnSpPr>
+          <p:cNvPr id="6" name="直接箭头连接符 5"/>
+          <p:cNvCxnSpPr/>
+          <p:nvPr/>
+        </p:nvCxnSpPr>
+        <p:spPr>
+          <a:xfrm flipV="1">
+            <a:off x="7578725" y="3547745"/>
+            <a:ext cx="904875" cy="680720"/>
+          </a:xfrm>
+          <a:prstGeom prst="straightConnector1">
+            <a:avLst/>
+          </a:prstGeom>
+          <a:ln w="19050">
+            <a:solidFill>
+              <a:schemeClr val="tx1"/>
+            </a:solidFill>
+            <a:headEnd type="none"/>
+            <a:tailEnd type="triangle"/>
+          </a:ln>
+        </p:spPr>
+        <p:style>
+          <a:lnRef idx="1">
+            <a:schemeClr val="accent1"/>
+          </a:lnRef>
+          <a:fillRef idx="0">
+            <a:schemeClr val="accent1"/>
+          </a:fillRef>
+          <a:effectRef idx="0">
+            <a:schemeClr val="accent1"/>
+          </a:effectRef>
+          <a:fontRef idx="minor">
+            <a:schemeClr val="tx1"/>
+          </a:fontRef>
+        </p:style>
+      </p:cxnSp>
+      <p:sp>
+        <p:nvSpPr>
+          <p:cNvPr id="9" name="右中括号 8"/>
+          <p:cNvSpPr/>
+          <p:nvPr/>
+        </p:nvSpPr>
+        <p:spPr>
+          <a:xfrm rot="16200000">
+            <a:off x="3901440" y="2282825"/>
+            <a:ext cx="448310" cy="645160"/>
+          </a:xfrm>
+          <a:prstGeom prst="rightBracket">
+            <a:avLst/>
+          </a:prstGeom>
+          <a:ln w="19050">
+            <a:solidFill>
+              <a:schemeClr val="tx1"/>
+            </a:solidFill>
+            <a:headEnd type="none"/>
+            <a:tailEnd type="triangle"/>
+          </a:ln>
+        </p:spPr>
+        <p:style>
+          <a:lnRef idx="1">
+            <a:schemeClr val="accent1"/>
+          </a:lnRef>
+          <a:fillRef idx="0">
+            <a:schemeClr val="accent1"/>
+          </a:fillRef>
+          <a:effectRef idx="0">
+            <a:schemeClr val="accent1"/>
+          </a:effectRef>
+          <a:fontRef idx="minor">
+            <a:schemeClr val="tx1"/>
+          </a:fontRef>
+        </p:style>
+        <p:txBody>
+          <a:bodyPr/>
+          <a:p>
+            <a:endParaRPr lang="zh-CN" altLang="en-US"/>
+          </a:p>
+        </p:txBody>
+      </p:sp>
+      <p:sp>
+        <p:nvSpPr>
+          <p:cNvPr id="10" name="文本框 9"/>
+          <p:cNvSpPr txBox="1"/>
+          <p:nvPr/>
+        </p:nvSpPr>
+        <p:spPr>
+          <a:xfrm>
+            <a:off x="3577103" y="2013261"/>
+            <a:ext cx="1097280" cy="368300"/>
+          </a:xfrm>
+          <a:prstGeom prst="rect">
+            <a:avLst/>
+          </a:prstGeom>
+          <a:noFill/>
+        </p:spPr>
+        <p:txBody>
+          <a:bodyPr wrap="none" rtlCol="0">
+            <a:spAutoFit/>
+          </a:bodyPr>
+          <a:p>
+            <a:r>
+              <a:rPr lang="zh-CN" altLang="en-US" smtClean="0">
+                <a:latin typeface="Times New Roman" panose="02020603050405020304" pitchFamily="18" charset="0"/>
+                <a:cs typeface="Times New Roman" panose="02020603050405020304" pitchFamily="18" charset="0"/>
+              </a:rPr>
+              <a:t>强化学习</a:t>
+            </a:r>
+            <a:endParaRPr lang="zh-CN" altLang="en-US" smtClean="0">
+              <a:latin typeface="Times New Roman" panose="02020603050405020304" pitchFamily="18" charset="0"/>
+              <a:cs typeface="Times New Roman" panose="02020603050405020304" pitchFamily="18" charset="0"/>
+            </a:endParaRPr>
+          </a:p>
+        </p:txBody>
+      </p:sp>
+      <p:sp>
+        <p:nvSpPr>
+          <p:cNvPr id="12" name="文本框 11"/>
+          <p:cNvSpPr txBox="1"/>
+          <p:nvPr/>
+        </p:nvSpPr>
+        <p:spPr>
+          <a:xfrm>
+            <a:off x="7996703" y="2122481"/>
+            <a:ext cx="716280" cy="368300"/>
+          </a:xfrm>
+          <a:prstGeom prst="rect">
+            <a:avLst/>
+          </a:prstGeom>
+          <a:noFill/>
+        </p:spPr>
+        <p:txBody>
+          <a:bodyPr wrap="none" rtlCol="0">
+            <a:spAutoFit/>
+          </a:bodyPr>
+          <a:p>
+            <a:r>
+              <a:rPr lang="en-US" altLang="zh-CN" smtClean="0">
+                <a:latin typeface="Times New Roman" panose="02020603050405020304" pitchFamily="18" charset="0"/>
+                <a:cs typeface="Times New Roman" panose="02020603050405020304" pitchFamily="18" charset="0"/>
+              </a:rPr>
+              <a:t>Sumo</a:t>
+            </a:r>
+            <a:endParaRPr lang="en-US" altLang="zh-CN" smtClean="0">
               <a:latin typeface="Times New Roman" panose="02020603050405020304" pitchFamily="18" charset="0"/>
               <a:cs typeface="Times New Roman" panose="02020603050405020304" pitchFamily="18" charset="0"/>
             </a:endParaRPr>
